--- a/docs/C2dChart-master template.pptx
+++ b/docs/C2dChart-master template.pptx
@@ -6,6 +6,7 @@
   </p:sldMasterIdLst>
   <p:sldIdLst>
     <p:sldId id="256" r:id="rId2"/>
+    <p:sldId id="257" r:id="rId3"/>
   </p:sldIdLst>
   <p:sldSz cx="12192000" cy="6858000"/>
   <p:notesSz cx="6858000" cy="9144000"/>
@@ -3516,7 +3517,7 @@
         <p:spPr>
           <a:xfrm>
             <a:off x="3929741" y="4049486"/>
-            <a:ext cx="3537856" cy="651304"/>
+            <a:ext cx="3537856" cy="634588"/>
           </a:xfrm>
           <a:prstGeom prst="rect">
             <a:avLst/>
@@ -5731,6 +5732,2369 @@
     <p:extLst>
       <p:ext uri="{BB962C8B-B14F-4D97-AF65-F5344CB8AC3E}">
         <p14:creationId xmlns:p14="http://schemas.microsoft.com/office/powerpoint/2010/main" val="991205196"/>
+      </p:ext>
+    </p:extLst>
+  </p:cSld>
+  <p:clrMapOvr>
+    <a:masterClrMapping/>
+  </p:clrMapOvr>
+</p:sld>
+</file>
+
+<file path=ppt/slides/slide2.xml><?xml version="1.0" encoding="utf-8"?>
+<p:sld xmlns:a="http://schemas.openxmlformats.org/drawingml/2006/main" xmlns:r="http://schemas.openxmlformats.org/officeDocument/2006/relationships" xmlns:p="http://schemas.openxmlformats.org/presentationml/2006/main">
+  <p:cSld>
+    <p:spTree>
+      <p:nvGrpSpPr>
+        <p:cNvPr id="1" name=""/>
+        <p:cNvGrpSpPr/>
+        <p:nvPr/>
+      </p:nvGrpSpPr>
+      <p:grpSpPr>
+        <a:xfrm>
+          <a:off x="0" y="0"/>
+          <a:ext cx="0" cy="0"/>
+          <a:chOff x="0" y="0"/>
+          <a:chExt cx="0" cy="0"/>
+        </a:xfrm>
+      </p:grpSpPr>
+      <p:sp>
+        <p:nvSpPr>
+          <p:cNvPr id="7" name="Rectangle 6">
+            <a:extLst>
+              <a:ext uri="{FF2B5EF4-FFF2-40B4-BE49-F238E27FC236}">
+                <a16:creationId xmlns:a16="http://schemas.microsoft.com/office/drawing/2014/main" id="{217AB562-73DE-C5A8-3494-9F36342FE863}"/>
+              </a:ext>
+            </a:extLst>
+          </p:cNvPr>
+          <p:cNvSpPr/>
+          <p:nvPr/>
+        </p:nvSpPr>
+        <p:spPr>
+          <a:xfrm>
+            <a:off x="2820285" y="1519442"/>
+            <a:ext cx="5410316" cy="3367258"/>
+          </a:xfrm>
+          <a:prstGeom prst="rect">
+            <a:avLst/>
+          </a:prstGeom>
+          <a:solidFill>
+            <a:schemeClr val="accent1">
+              <a:lumMod val="20000"/>
+              <a:lumOff val="80000"/>
+            </a:schemeClr>
+          </a:solidFill>
+        </p:spPr>
+        <p:style>
+          <a:lnRef idx="2">
+            <a:schemeClr val="accent1">
+              <a:shade val="15000"/>
+            </a:schemeClr>
+          </a:lnRef>
+          <a:fillRef idx="1">
+            <a:schemeClr val="accent1"/>
+          </a:fillRef>
+          <a:effectRef idx="0">
+            <a:schemeClr val="accent1"/>
+          </a:effectRef>
+          <a:fontRef idx="minor">
+            <a:schemeClr val="lt1"/>
+          </a:fontRef>
+        </p:style>
+        <p:txBody>
+          <a:bodyPr rtlCol="0" anchor="ctr"/>
+          <a:lstStyle/>
+          <a:p>
+            <a:pPr algn="ctr"/>
+            <a:endParaRPr lang="en-GB"/>
+          </a:p>
+        </p:txBody>
+      </p:sp>
+      <p:sp>
+        <p:nvSpPr>
+          <p:cNvPr id="4" name="Rectangle 3">
+            <a:extLst>
+              <a:ext uri="{FF2B5EF4-FFF2-40B4-BE49-F238E27FC236}">
+                <a16:creationId xmlns:a16="http://schemas.microsoft.com/office/drawing/2014/main" id="{8A6A251F-D6C5-64A8-6C45-5031B410DD76}"/>
+              </a:ext>
+            </a:extLst>
+          </p:cNvPr>
+          <p:cNvSpPr/>
+          <p:nvPr/>
+        </p:nvSpPr>
+        <p:spPr>
+          <a:xfrm>
+            <a:off x="3209197" y="1796463"/>
+            <a:ext cx="4530703" cy="2719867"/>
+          </a:xfrm>
+          <a:prstGeom prst="rect">
+            <a:avLst/>
+          </a:prstGeom>
+          <a:solidFill>
+            <a:schemeClr val="accent1">
+              <a:lumMod val="40000"/>
+              <a:lumOff val="60000"/>
+            </a:schemeClr>
+          </a:solidFill>
+        </p:spPr>
+        <p:style>
+          <a:lnRef idx="2">
+            <a:schemeClr val="accent1">
+              <a:shade val="15000"/>
+            </a:schemeClr>
+          </a:lnRef>
+          <a:fillRef idx="1">
+            <a:schemeClr val="accent1"/>
+          </a:fillRef>
+          <a:effectRef idx="0">
+            <a:schemeClr val="accent1"/>
+          </a:effectRef>
+          <a:fontRef idx="minor">
+            <a:schemeClr val="lt1"/>
+          </a:fontRef>
+        </p:style>
+        <p:txBody>
+          <a:bodyPr rtlCol="0" anchor="ctr"/>
+          <a:lstStyle/>
+          <a:p>
+            <a:pPr algn="ctr"/>
+            <a:endParaRPr lang="en-GB"/>
+          </a:p>
+        </p:txBody>
+      </p:sp>
+      <p:sp>
+        <p:nvSpPr>
+          <p:cNvPr id="5" name="Rectangle 4">
+            <a:extLst>
+              <a:ext uri="{FF2B5EF4-FFF2-40B4-BE49-F238E27FC236}">
+                <a16:creationId xmlns:a16="http://schemas.microsoft.com/office/drawing/2014/main" id="{E7FC61F5-A51D-2DF1-9C26-096F80CA5628}"/>
+              </a:ext>
+            </a:extLst>
+          </p:cNvPr>
+          <p:cNvSpPr/>
+          <p:nvPr/>
+        </p:nvSpPr>
+        <p:spPr>
+          <a:xfrm>
+            <a:off x="3929742" y="1937656"/>
+            <a:ext cx="3537857" cy="2111829"/>
+          </a:xfrm>
+          <a:prstGeom prst="rect">
+            <a:avLst/>
+          </a:prstGeom>
+          <a:solidFill>
+            <a:schemeClr val="accent1">
+              <a:lumMod val="60000"/>
+              <a:lumOff val="40000"/>
+            </a:schemeClr>
+          </a:solidFill>
+        </p:spPr>
+        <p:style>
+          <a:lnRef idx="2">
+            <a:schemeClr val="accent1">
+              <a:shade val="15000"/>
+            </a:schemeClr>
+          </a:lnRef>
+          <a:fillRef idx="1">
+            <a:schemeClr val="accent1"/>
+          </a:fillRef>
+          <a:effectRef idx="0">
+            <a:schemeClr val="accent1"/>
+          </a:effectRef>
+          <a:fontRef idx="minor">
+            <a:schemeClr val="lt1"/>
+          </a:fontRef>
+        </p:style>
+        <p:txBody>
+          <a:bodyPr rtlCol="0" anchor="ctr"/>
+          <a:lstStyle/>
+          <a:p>
+            <a:pPr algn="ctr"/>
+            <a:r>
+              <a:rPr lang="en-GB" dirty="0"/>
+              <a:t>Curve drawing zone</a:t>
+            </a:r>
+          </a:p>
+        </p:txBody>
+      </p:sp>
+      <p:cxnSp>
+        <p:nvCxnSpPr>
+          <p:cNvPr id="9" name="Straight Connector 8">
+            <a:extLst>
+              <a:ext uri="{FF2B5EF4-FFF2-40B4-BE49-F238E27FC236}">
+                <a16:creationId xmlns:a16="http://schemas.microsoft.com/office/drawing/2014/main" id="{755E4DA9-1B59-280D-0F19-61CD02CB1318}"/>
+              </a:ext>
+            </a:extLst>
+          </p:cNvPr>
+          <p:cNvCxnSpPr>
+            <a:cxnSpLocks/>
+          </p:cNvCxnSpPr>
+          <p:nvPr/>
+        </p:nvCxnSpPr>
+        <p:spPr>
+          <a:xfrm flipV="1">
+            <a:off x="5832253" y="1502497"/>
+            <a:ext cx="0" cy="302039"/>
+          </a:xfrm>
+          <a:prstGeom prst="line">
+            <a:avLst/>
+          </a:prstGeom>
+          <a:ln w="25400">
+            <a:solidFill>
+              <a:schemeClr val="tx1"/>
+            </a:solidFill>
+            <a:headEnd type="arrow" w="med" len="med"/>
+            <a:tailEnd type="arrow"/>
+          </a:ln>
+        </p:spPr>
+        <p:style>
+          <a:lnRef idx="1">
+            <a:schemeClr val="accent1"/>
+          </a:lnRef>
+          <a:fillRef idx="0">
+            <a:schemeClr val="accent1"/>
+          </a:fillRef>
+          <a:effectRef idx="0">
+            <a:schemeClr val="accent1"/>
+          </a:effectRef>
+          <a:fontRef idx="minor">
+            <a:schemeClr val="tx1"/>
+          </a:fontRef>
+        </p:style>
+      </p:cxnSp>
+      <p:sp>
+        <p:nvSpPr>
+          <p:cNvPr id="12" name="TextBox 11">
+            <a:extLst>
+              <a:ext uri="{FF2B5EF4-FFF2-40B4-BE49-F238E27FC236}">
+                <a16:creationId xmlns:a16="http://schemas.microsoft.com/office/drawing/2014/main" id="{62E475FF-6A08-7093-B267-C827379631F7}"/>
+              </a:ext>
+            </a:extLst>
+          </p:cNvPr>
+          <p:cNvSpPr txBox="1"/>
+          <p:nvPr/>
+        </p:nvSpPr>
+        <p:spPr>
+          <a:xfrm>
+            <a:off x="5090638" y="1098487"/>
+            <a:ext cx="1229247" cy="369332"/>
+          </a:xfrm>
+          <a:prstGeom prst="rect">
+            <a:avLst/>
+          </a:prstGeom>
+          <a:noFill/>
+        </p:spPr>
+        <p:txBody>
+          <a:bodyPr wrap="none" rtlCol="0">
+            <a:spAutoFit/>
+          </a:bodyPr>
+          <a:lstStyle/>
+          <a:p>
+            <a:r>
+              <a:rPr lang="en-GB" dirty="0"/>
+              <a:t>margin-top</a:t>
+            </a:r>
+          </a:p>
+        </p:txBody>
+      </p:sp>
+      <p:cxnSp>
+        <p:nvCxnSpPr>
+          <p:cNvPr id="13" name="Straight Connector 12">
+            <a:extLst>
+              <a:ext uri="{FF2B5EF4-FFF2-40B4-BE49-F238E27FC236}">
+                <a16:creationId xmlns:a16="http://schemas.microsoft.com/office/drawing/2014/main" id="{553BB5A6-0F87-C99D-DF6F-5C8DCEED854C}"/>
+              </a:ext>
+            </a:extLst>
+          </p:cNvPr>
+          <p:cNvCxnSpPr>
+            <a:cxnSpLocks/>
+          </p:cNvCxnSpPr>
+          <p:nvPr/>
+        </p:nvCxnSpPr>
+        <p:spPr>
+          <a:xfrm flipV="1">
+            <a:off x="5698669" y="4516330"/>
+            <a:ext cx="0" cy="373486"/>
+          </a:xfrm>
+          <a:prstGeom prst="line">
+            <a:avLst/>
+          </a:prstGeom>
+          <a:ln w="25400">
+            <a:solidFill>
+              <a:schemeClr val="tx1"/>
+            </a:solidFill>
+            <a:headEnd type="arrow" w="med" len="med"/>
+            <a:tailEnd type="arrow"/>
+          </a:ln>
+        </p:spPr>
+        <p:style>
+          <a:lnRef idx="1">
+            <a:schemeClr val="accent1"/>
+          </a:lnRef>
+          <a:fillRef idx="0">
+            <a:schemeClr val="accent1"/>
+          </a:fillRef>
+          <a:effectRef idx="0">
+            <a:schemeClr val="accent1"/>
+          </a:effectRef>
+          <a:fontRef idx="minor">
+            <a:schemeClr val="tx1"/>
+          </a:fontRef>
+        </p:style>
+      </p:cxnSp>
+      <p:sp>
+        <p:nvSpPr>
+          <p:cNvPr id="14" name="TextBox 13">
+            <a:extLst>
+              <a:ext uri="{FF2B5EF4-FFF2-40B4-BE49-F238E27FC236}">
+                <a16:creationId xmlns:a16="http://schemas.microsoft.com/office/drawing/2014/main" id="{BA292F57-1869-E1A8-50F6-25288E40E238}"/>
+              </a:ext>
+            </a:extLst>
+          </p:cNvPr>
+          <p:cNvSpPr txBox="1"/>
+          <p:nvPr/>
+        </p:nvSpPr>
+        <p:spPr>
+          <a:xfrm>
+            <a:off x="4813449" y="4851369"/>
+            <a:ext cx="1609095" cy="369332"/>
+          </a:xfrm>
+          <a:prstGeom prst="rect">
+            <a:avLst/>
+          </a:prstGeom>
+          <a:noFill/>
+        </p:spPr>
+        <p:txBody>
+          <a:bodyPr wrap="none" rtlCol="0">
+            <a:spAutoFit/>
+          </a:bodyPr>
+          <a:lstStyle/>
+          <a:p>
+            <a:r>
+              <a:rPr lang="en-GB"/>
+              <a:t>margin-bottom</a:t>
+            </a:r>
+          </a:p>
+        </p:txBody>
+      </p:sp>
+      <p:sp>
+        <p:nvSpPr>
+          <p:cNvPr id="18" name="Rectangle 17">
+            <a:extLst>
+              <a:ext uri="{FF2B5EF4-FFF2-40B4-BE49-F238E27FC236}">
+                <a16:creationId xmlns:a16="http://schemas.microsoft.com/office/drawing/2014/main" id="{ADA8549D-815D-C170-B7A7-87A0A222C063}"/>
+              </a:ext>
+            </a:extLst>
+          </p:cNvPr>
+          <p:cNvSpPr/>
+          <p:nvPr/>
+        </p:nvSpPr>
+        <p:spPr>
+          <a:xfrm>
+            <a:off x="7195295" y="4233943"/>
+            <a:ext cx="544606" cy="282388"/>
+          </a:xfrm>
+          <a:prstGeom prst="rect">
+            <a:avLst/>
+          </a:prstGeom>
+        </p:spPr>
+        <p:style>
+          <a:lnRef idx="2">
+            <a:schemeClr val="accent1">
+              <a:shade val="15000"/>
+            </a:schemeClr>
+          </a:lnRef>
+          <a:fillRef idx="1">
+            <a:schemeClr val="accent1"/>
+          </a:fillRef>
+          <a:effectRef idx="0">
+            <a:schemeClr val="accent1"/>
+          </a:effectRef>
+          <a:fontRef idx="minor">
+            <a:schemeClr val="lt1"/>
+          </a:fontRef>
+        </p:style>
+        <p:txBody>
+          <a:bodyPr rtlCol="0" anchor="ctr"/>
+          <a:lstStyle/>
+          <a:p>
+            <a:pPr algn="ctr"/>
+            <a:r>
+              <a:rPr lang="en-GB" sz="1200"/>
+              <a:t>t</a:t>
+            </a:r>
+            <a:r>
+              <a:rPr lang="en-GB" sz="1200" baseline="-25000"/>
+              <a:t>2</a:t>
+            </a:r>
+          </a:p>
+        </p:txBody>
+      </p:sp>
+      <p:sp>
+        <p:nvSpPr>
+          <p:cNvPr id="19" name="Rectangle 18">
+            <a:extLst>
+              <a:ext uri="{FF2B5EF4-FFF2-40B4-BE49-F238E27FC236}">
+                <a16:creationId xmlns:a16="http://schemas.microsoft.com/office/drawing/2014/main" id="{79F9438B-B6CE-9484-F7DE-03B7196325E3}"/>
+              </a:ext>
+            </a:extLst>
+          </p:cNvPr>
+          <p:cNvSpPr/>
+          <p:nvPr/>
+        </p:nvSpPr>
+        <p:spPr>
+          <a:xfrm>
+            <a:off x="3657436" y="4236638"/>
+            <a:ext cx="544606" cy="282388"/>
+          </a:xfrm>
+          <a:prstGeom prst="rect">
+            <a:avLst/>
+          </a:prstGeom>
+        </p:spPr>
+        <p:style>
+          <a:lnRef idx="2">
+            <a:schemeClr val="accent1">
+              <a:shade val="15000"/>
+            </a:schemeClr>
+          </a:lnRef>
+          <a:fillRef idx="1">
+            <a:schemeClr val="accent1"/>
+          </a:fillRef>
+          <a:effectRef idx="0">
+            <a:schemeClr val="accent1"/>
+          </a:effectRef>
+          <a:fontRef idx="minor">
+            <a:schemeClr val="lt1"/>
+          </a:fontRef>
+        </p:style>
+        <p:txBody>
+          <a:bodyPr rtlCol="0" anchor="ctr"/>
+          <a:lstStyle/>
+          <a:p>
+            <a:pPr algn="ctr"/>
+            <a:r>
+              <a:rPr lang="en-GB" sz="1200"/>
+              <a:t>t</a:t>
+            </a:r>
+            <a:r>
+              <a:rPr lang="en-GB" sz="1200" baseline="-25000"/>
+              <a:t>0</a:t>
+            </a:r>
+          </a:p>
+        </p:txBody>
+      </p:sp>
+      <p:cxnSp>
+        <p:nvCxnSpPr>
+          <p:cNvPr id="22" name="Straight Connector 21">
+            <a:extLst>
+              <a:ext uri="{FF2B5EF4-FFF2-40B4-BE49-F238E27FC236}">
+                <a16:creationId xmlns:a16="http://schemas.microsoft.com/office/drawing/2014/main" id="{4BC4C406-F37B-10F0-5402-2B0A253C1D8E}"/>
+              </a:ext>
+            </a:extLst>
+          </p:cNvPr>
+          <p:cNvCxnSpPr/>
+          <p:nvPr/>
+        </p:nvCxnSpPr>
+        <p:spPr>
+          <a:xfrm>
+            <a:off x="3929741" y="1937656"/>
+            <a:ext cx="0" cy="2111828"/>
+          </a:xfrm>
+          <a:prstGeom prst="line">
+            <a:avLst/>
+          </a:prstGeom>
+          <a:ln w="50800">
+            <a:solidFill>
+              <a:schemeClr val="tx1"/>
+            </a:solidFill>
+          </a:ln>
+        </p:spPr>
+        <p:style>
+          <a:lnRef idx="1">
+            <a:schemeClr val="accent1"/>
+          </a:lnRef>
+          <a:fillRef idx="0">
+            <a:schemeClr val="accent1"/>
+          </a:fillRef>
+          <a:effectRef idx="0">
+            <a:schemeClr val="accent1"/>
+          </a:effectRef>
+          <a:fontRef idx="minor">
+            <a:schemeClr val="tx1"/>
+          </a:fontRef>
+        </p:style>
+      </p:cxnSp>
+      <p:cxnSp>
+        <p:nvCxnSpPr>
+          <p:cNvPr id="23" name="Straight Connector 22">
+            <a:extLst>
+              <a:ext uri="{FF2B5EF4-FFF2-40B4-BE49-F238E27FC236}">
+                <a16:creationId xmlns:a16="http://schemas.microsoft.com/office/drawing/2014/main" id="{FAFD9893-3E78-2FA7-D02D-95603B69B049}"/>
+              </a:ext>
+            </a:extLst>
+          </p:cNvPr>
+          <p:cNvCxnSpPr>
+            <a:cxnSpLocks/>
+          </p:cNvCxnSpPr>
+          <p:nvPr/>
+        </p:nvCxnSpPr>
+        <p:spPr>
+          <a:xfrm flipH="1">
+            <a:off x="3929741" y="4049484"/>
+            <a:ext cx="3537856" cy="0"/>
+          </a:xfrm>
+          <a:prstGeom prst="line">
+            <a:avLst/>
+          </a:prstGeom>
+          <a:ln w="50800">
+            <a:solidFill>
+              <a:schemeClr val="tx1"/>
+            </a:solidFill>
+          </a:ln>
+        </p:spPr>
+        <p:style>
+          <a:lnRef idx="1">
+            <a:schemeClr val="accent1"/>
+          </a:lnRef>
+          <a:fillRef idx="0">
+            <a:schemeClr val="accent1"/>
+          </a:fillRef>
+          <a:effectRef idx="0">
+            <a:schemeClr val="accent1"/>
+          </a:effectRef>
+          <a:fontRef idx="minor">
+            <a:schemeClr val="tx1"/>
+          </a:fontRef>
+        </p:style>
+      </p:cxnSp>
+      <p:cxnSp>
+        <p:nvCxnSpPr>
+          <p:cNvPr id="27" name="Straight Connector 26">
+            <a:extLst>
+              <a:ext uri="{FF2B5EF4-FFF2-40B4-BE49-F238E27FC236}">
+                <a16:creationId xmlns:a16="http://schemas.microsoft.com/office/drawing/2014/main" id="{8A3D24EE-BAF5-DDD9-EB6B-D7A8D96E65B3}"/>
+              </a:ext>
+            </a:extLst>
+          </p:cNvPr>
+          <p:cNvCxnSpPr>
+            <a:cxnSpLocks/>
+            <a:stCxn id="19" idx="0"/>
+          </p:cNvCxnSpPr>
+          <p:nvPr/>
+        </p:nvCxnSpPr>
+        <p:spPr>
+          <a:xfrm flipV="1">
+            <a:off x="3929739" y="4049483"/>
+            <a:ext cx="0" cy="187155"/>
+          </a:xfrm>
+          <a:prstGeom prst="line">
+            <a:avLst/>
+          </a:prstGeom>
+          <a:ln w="25400">
+            <a:solidFill>
+              <a:srgbClr val="FF0000"/>
+            </a:solidFill>
+          </a:ln>
+        </p:spPr>
+        <p:style>
+          <a:lnRef idx="1">
+            <a:schemeClr val="accent1"/>
+          </a:lnRef>
+          <a:fillRef idx="0">
+            <a:schemeClr val="accent1"/>
+          </a:fillRef>
+          <a:effectRef idx="0">
+            <a:schemeClr val="accent1"/>
+          </a:effectRef>
+          <a:fontRef idx="minor">
+            <a:schemeClr val="tx1"/>
+          </a:fontRef>
+        </p:style>
+      </p:cxnSp>
+      <p:cxnSp>
+        <p:nvCxnSpPr>
+          <p:cNvPr id="31" name="Straight Connector 30">
+            <a:extLst>
+              <a:ext uri="{FF2B5EF4-FFF2-40B4-BE49-F238E27FC236}">
+                <a16:creationId xmlns:a16="http://schemas.microsoft.com/office/drawing/2014/main" id="{6D19176C-1C84-FBCD-D516-EFEFA9D56B2A}"/>
+              </a:ext>
+            </a:extLst>
+          </p:cNvPr>
+          <p:cNvCxnSpPr>
+            <a:cxnSpLocks/>
+            <a:endCxn id="20" idx="3"/>
+          </p:cNvCxnSpPr>
+          <p:nvPr/>
+        </p:nvCxnSpPr>
+        <p:spPr>
+          <a:xfrm flipH="1">
+            <a:off x="3755033" y="4049484"/>
+            <a:ext cx="174706" cy="0"/>
+          </a:xfrm>
+          <a:prstGeom prst="line">
+            <a:avLst/>
+          </a:prstGeom>
+          <a:ln w="25400">
+            <a:solidFill>
+              <a:srgbClr val="00B050"/>
+            </a:solidFill>
+          </a:ln>
+        </p:spPr>
+        <p:style>
+          <a:lnRef idx="1">
+            <a:schemeClr val="accent1"/>
+          </a:lnRef>
+          <a:fillRef idx="0">
+            <a:schemeClr val="accent1"/>
+          </a:fillRef>
+          <a:effectRef idx="0">
+            <a:schemeClr val="accent1"/>
+          </a:effectRef>
+          <a:fontRef idx="minor">
+            <a:schemeClr val="tx1"/>
+          </a:fontRef>
+        </p:style>
+      </p:cxnSp>
+      <p:sp>
+        <p:nvSpPr>
+          <p:cNvPr id="35" name="Rectangle 34">
+            <a:extLst>
+              <a:ext uri="{FF2B5EF4-FFF2-40B4-BE49-F238E27FC236}">
+                <a16:creationId xmlns:a16="http://schemas.microsoft.com/office/drawing/2014/main" id="{69C21C25-B0DE-E028-6176-5ADB30384D30}"/>
+              </a:ext>
+            </a:extLst>
+          </p:cNvPr>
+          <p:cNvSpPr/>
+          <p:nvPr/>
+        </p:nvSpPr>
+        <p:spPr>
+          <a:xfrm>
+            <a:off x="4692669" y="4233943"/>
+            <a:ext cx="544606" cy="282388"/>
+          </a:xfrm>
+          <a:prstGeom prst="rect">
+            <a:avLst/>
+          </a:prstGeom>
+        </p:spPr>
+        <p:style>
+          <a:lnRef idx="2">
+            <a:schemeClr val="accent1">
+              <a:shade val="15000"/>
+            </a:schemeClr>
+          </a:lnRef>
+          <a:fillRef idx="1">
+            <a:schemeClr val="accent1"/>
+          </a:fillRef>
+          <a:effectRef idx="0">
+            <a:schemeClr val="accent1"/>
+          </a:effectRef>
+          <a:fontRef idx="minor">
+            <a:schemeClr val="lt1"/>
+          </a:fontRef>
+        </p:style>
+        <p:txBody>
+          <a:bodyPr rtlCol="0" anchor="ctr"/>
+          <a:lstStyle/>
+          <a:p>
+            <a:pPr algn="ctr"/>
+            <a:r>
+              <a:rPr lang="en-GB" sz="1200"/>
+              <a:t>t</a:t>
+            </a:r>
+            <a:r>
+              <a:rPr lang="en-GB" sz="1200" baseline="-25000"/>
+              <a:t>1</a:t>
+            </a:r>
+          </a:p>
+        </p:txBody>
+      </p:sp>
+      <p:cxnSp>
+        <p:nvCxnSpPr>
+          <p:cNvPr id="36" name="Straight Connector 35">
+            <a:extLst>
+              <a:ext uri="{FF2B5EF4-FFF2-40B4-BE49-F238E27FC236}">
+                <a16:creationId xmlns:a16="http://schemas.microsoft.com/office/drawing/2014/main" id="{F361DAA5-210D-EBAA-DFC7-D544AE85F06C}"/>
+              </a:ext>
+            </a:extLst>
+          </p:cNvPr>
+          <p:cNvCxnSpPr>
+            <a:cxnSpLocks/>
+          </p:cNvCxnSpPr>
+          <p:nvPr/>
+        </p:nvCxnSpPr>
+        <p:spPr>
+          <a:xfrm flipV="1">
+            <a:off x="4968659" y="4052848"/>
+            <a:ext cx="0" cy="187155"/>
+          </a:xfrm>
+          <a:prstGeom prst="line">
+            <a:avLst/>
+          </a:prstGeom>
+          <a:ln w="25400">
+            <a:solidFill>
+              <a:srgbClr val="FF0000"/>
+            </a:solidFill>
+          </a:ln>
+        </p:spPr>
+        <p:style>
+          <a:lnRef idx="1">
+            <a:schemeClr val="accent1"/>
+          </a:lnRef>
+          <a:fillRef idx="0">
+            <a:schemeClr val="accent1"/>
+          </a:fillRef>
+          <a:effectRef idx="0">
+            <a:schemeClr val="accent1"/>
+          </a:effectRef>
+          <a:fontRef idx="minor">
+            <a:schemeClr val="tx1"/>
+          </a:fontRef>
+        </p:style>
+      </p:cxnSp>
+      <p:cxnSp>
+        <p:nvCxnSpPr>
+          <p:cNvPr id="37" name="Straight Connector 36">
+            <a:extLst>
+              <a:ext uri="{FF2B5EF4-FFF2-40B4-BE49-F238E27FC236}">
+                <a16:creationId xmlns:a16="http://schemas.microsoft.com/office/drawing/2014/main" id="{A8B1F112-3858-1DB9-25B6-22339649BC15}"/>
+              </a:ext>
+            </a:extLst>
+          </p:cNvPr>
+          <p:cNvCxnSpPr>
+            <a:cxnSpLocks/>
+          </p:cNvCxnSpPr>
+          <p:nvPr/>
+        </p:nvCxnSpPr>
+        <p:spPr>
+          <a:xfrm flipV="1">
+            <a:off x="7467597" y="4046788"/>
+            <a:ext cx="0" cy="187155"/>
+          </a:xfrm>
+          <a:prstGeom prst="line">
+            <a:avLst/>
+          </a:prstGeom>
+          <a:ln w="25400">
+            <a:solidFill>
+              <a:srgbClr val="FF0000"/>
+            </a:solidFill>
+          </a:ln>
+        </p:spPr>
+        <p:style>
+          <a:lnRef idx="1">
+            <a:schemeClr val="accent1"/>
+          </a:lnRef>
+          <a:fillRef idx="0">
+            <a:schemeClr val="accent1"/>
+          </a:fillRef>
+          <a:effectRef idx="0">
+            <a:schemeClr val="accent1"/>
+          </a:effectRef>
+          <a:fontRef idx="minor">
+            <a:schemeClr val="tx1"/>
+          </a:fontRef>
+        </p:style>
+      </p:cxnSp>
+      <p:cxnSp>
+        <p:nvCxnSpPr>
+          <p:cNvPr id="38" name="Straight Connector 37">
+            <a:extLst>
+              <a:ext uri="{FF2B5EF4-FFF2-40B4-BE49-F238E27FC236}">
+                <a16:creationId xmlns:a16="http://schemas.microsoft.com/office/drawing/2014/main" id="{7750A154-D076-96F4-E291-1A5076174580}"/>
+              </a:ext>
+            </a:extLst>
+          </p:cNvPr>
+          <p:cNvCxnSpPr>
+            <a:cxnSpLocks/>
+          </p:cNvCxnSpPr>
+          <p:nvPr/>
+        </p:nvCxnSpPr>
+        <p:spPr>
+          <a:xfrm flipH="1">
+            <a:off x="3747495" y="1937656"/>
+            <a:ext cx="174706" cy="0"/>
+          </a:xfrm>
+          <a:prstGeom prst="line">
+            <a:avLst/>
+          </a:prstGeom>
+          <a:ln w="25400">
+            <a:solidFill>
+              <a:srgbClr val="00B050"/>
+            </a:solidFill>
+          </a:ln>
+        </p:spPr>
+        <p:style>
+          <a:lnRef idx="1">
+            <a:schemeClr val="accent1"/>
+          </a:lnRef>
+          <a:fillRef idx="0">
+            <a:schemeClr val="accent1"/>
+          </a:fillRef>
+          <a:effectRef idx="0">
+            <a:schemeClr val="accent1"/>
+          </a:effectRef>
+          <a:fontRef idx="minor">
+            <a:schemeClr val="tx1"/>
+          </a:fontRef>
+        </p:style>
+      </p:cxnSp>
+      <p:sp>
+        <p:nvSpPr>
+          <p:cNvPr id="20" name="Rectangle 19">
+            <a:extLst>
+              <a:ext uri="{FF2B5EF4-FFF2-40B4-BE49-F238E27FC236}">
+                <a16:creationId xmlns:a16="http://schemas.microsoft.com/office/drawing/2014/main" id="{12DE1634-9171-BB05-2EEB-FC660A9D7A33}"/>
+              </a:ext>
+            </a:extLst>
+          </p:cNvPr>
+          <p:cNvSpPr/>
+          <p:nvPr/>
+        </p:nvSpPr>
+        <p:spPr>
+          <a:xfrm>
+            <a:off x="3210427" y="3908290"/>
+            <a:ext cx="544606" cy="282388"/>
+          </a:xfrm>
+          <a:prstGeom prst="rect">
+            <a:avLst/>
+          </a:prstGeom>
+        </p:spPr>
+        <p:style>
+          <a:lnRef idx="2">
+            <a:schemeClr val="accent1">
+              <a:shade val="15000"/>
+            </a:schemeClr>
+          </a:lnRef>
+          <a:fillRef idx="1">
+            <a:schemeClr val="accent1"/>
+          </a:fillRef>
+          <a:effectRef idx="0">
+            <a:schemeClr val="accent1"/>
+          </a:effectRef>
+          <a:fontRef idx="minor">
+            <a:schemeClr val="lt1"/>
+          </a:fontRef>
+        </p:style>
+        <p:txBody>
+          <a:bodyPr rtlCol="0" anchor="ctr"/>
+          <a:lstStyle/>
+          <a:p>
+            <a:pPr algn="ctr"/>
+            <a:r>
+              <a:rPr lang="en-GB" sz="1200"/>
+              <a:t>V</a:t>
+            </a:r>
+            <a:r>
+              <a:rPr lang="en-GB" sz="1200" baseline="-25000"/>
+              <a:t>min</a:t>
+            </a:r>
+          </a:p>
+        </p:txBody>
+      </p:sp>
+      <p:cxnSp>
+        <p:nvCxnSpPr>
+          <p:cNvPr id="39" name="Straight Connector 38">
+            <a:extLst>
+              <a:ext uri="{FF2B5EF4-FFF2-40B4-BE49-F238E27FC236}">
+                <a16:creationId xmlns:a16="http://schemas.microsoft.com/office/drawing/2014/main" id="{27B3AC0C-356A-E3CE-7A25-FE46F9BA97F4}"/>
+              </a:ext>
+            </a:extLst>
+          </p:cNvPr>
+          <p:cNvCxnSpPr>
+            <a:cxnSpLocks/>
+          </p:cNvCxnSpPr>
+          <p:nvPr/>
+        </p:nvCxnSpPr>
+        <p:spPr>
+          <a:xfrm>
+            <a:off x="7739900" y="2788266"/>
+            <a:ext cx="490701" cy="7233"/>
+          </a:xfrm>
+          <a:prstGeom prst="line">
+            <a:avLst/>
+          </a:prstGeom>
+          <a:ln w="25400">
+            <a:solidFill>
+              <a:schemeClr val="tx1"/>
+            </a:solidFill>
+            <a:headEnd type="arrow" w="med" len="med"/>
+            <a:tailEnd type="arrow"/>
+          </a:ln>
+        </p:spPr>
+        <p:style>
+          <a:lnRef idx="1">
+            <a:schemeClr val="accent1"/>
+          </a:lnRef>
+          <a:fillRef idx="0">
+            <a:schemeClr val="accent1"/>
+          </a:fillRef>
+          <a:effectRef idx="0">
+            <a:schemeClr val="accent1"/>
+          </a:effectRef>
+          <a:fontRef idx="minor">
+            <a:schemeClr val="tx1"/>
+          </a:fontRef>
+        </p:style>
+      </p:cxnSp>
+      <p:sp>
+        <p:nvSpPr>
+          <p:cNvPr id="42" name="TextBox 41">
+            <a:extLst>
+              <a:ext uri="{FF2B5EF4-FFF2-40B4-BE49-F238E27FC236}">
+                <a16:creationId xmlns:a16="http://schemas.microsoft.com/office/drawing/2014/main" id="{641A554A-0657-EF36-00D3-81B3858802F8}"/>
+              </a:ext>
+            </a:extLst>
+          </p:cNvPr>
+          <p:cNvSpPr txBox="1"/>
+          <p:nvPr/>
+        </p:nvSpPr>
+        <p:spPr>
+          <a:xfrm>
+            <a:off x="8230601" y="2795499"/>
+            <a:ext cx="1349600" cy="369332"/>
+          </a:xfrm>
+          <a:prstGeom prst="rect">
+            <a:avLst/>
+          </a:prstGeom>
+          <a:noFill/>
+        </p:spPr>
+        <p:txBody>
+          <a:bodyPr wrap="none" rtlCol="0">
+            <a:spAutoFit/>
+          </a:bodyPr>
+          <a:lstStyle/>
+          <a:p>
+            <a:r>
+              <a:rPr lang="en-GB" dirty="0"/>
+              <a:t>margin-right</a:t>
+            </a:r>
+          </a:p>
+        </p:txBody>
+      </p:sp>
+      <p:cxnSp>
+        <p:nvCxnSpPr>
+          <p:cNvPr id="43" name="Straight Connector 42">
+            <a:extLst>
+              <a:ext uri="{FF2B5EF4-FFF2-40B4-BE49-F238E27FC236}">
+                <a16:creationId xmlns:a16="http://schemas.microsoft.com/office/drawing/2014/main" id="{6AC2C848-564F-C173-4DD1-F59ED3D6CAEF}"/>
+              </a:ext>
+            </a:extLst>
+          </p:cNvPr>
+          <p:cNvCxnSpPr>
+            <a:cxnSpLocks/>
+          </p:cNvCxnSpPr>
+          <p:nvPr/>
+        </p:nvCxnSpPr>
+        <p:spPr>
+          <a:xfrm>
+            <a:off x="2820285" y="2687386"/>
+            <a:ext cx="362720" cy="0"/>
+          </a:xfrm>
+          <a:prstGeom prst="line">
+            <a:avLst/>
+          </a:prstGeom>
+          <a:ln w="25400">
+            <a:solidFill>
+              <a:schemeClr val="tx1"/>
+            </a:solidFill>
+            <a:headEnd type="arrow" w="med" len="med"/>
+            <a:tailEnd type="arrow"/>
+          </a:ln>
+        </p:spPr>
+        <p:style>
+          <a:lnRef idx="1">
+            <a:schemeClr val="accent1"/>
+          </a:lnRef>
+          <a:fillRef idx="0">
+            <a:schemeClr val="accent1"/>
+          </a:fillRef>
+          <a:effectRef idx="0">
+            <a:schemeClr val="accent1"/>
+          </a:effectRef>
+          <a:fontRef idx="minor">
+            <a:schemeClr val="tx1"/>
+          </a:fontRef>
+        </p:style>
+      </p:cxnSp>
+      <p:sp>
+        <p:nvSpPr>
+          <p:cNvPr id="44" name="TextBox 43">
+            <a:extLst>
+              <a:ext uri="{FF2B5EF4-FFF2-40B4-BE49-F238E27FC236}">
+                <a16:creationId xmlns:a16="http://schemas.microsoft.com/office/drawing/2014/main" id="{AF59D190-1FEB-FE33-2806-335285217910}"/>
+              </a:ext>
+            </a:extLst>
+          </p:cNvPr>
+          <p:cNvSpPr txBox="1"/>
+          <p:nvPr/>
+        </p:nvSpPr>
+        <p:spPr>
+          <a:xfrm>
+            <a:off x="1538222" y="2518139"/>
+            <a:ext cx="1224631" cy="369332"/>
+          </a:xfrm>
+          <a:prstGeom prst="rect">
+            <a:avLst/>
+          </a:prstGeom>
+          <a:noFill/>
+        </p:spPr>
+        <p:txBody>
+          <a:bodyPr wrap="none" rtlCol="0">
+            <a:spAutoFit/>
+          </a:bodyPr>
+          <a:lstStyle/>
+          <a:p>
+            <a:r>
+              <a:rPr lang="en-GB" dirty="0"/>
+              <a:t>margin-left</a:t>
+            </a:r>
+          </a:p>
+        </p:txBody>
+      </p:sp>
+      <p:cxnSp>
+        <p:nvCxnSpPr>
+          <p:cNvPr id="45" name="Straight Connector 44">
+            <a:extLst>
+              <a:ext uri="{FF2B5EF4-FFF2-40B4-BE49-F238E27FC236}">
+                <a16:creationId xmlns:a16="http://schemas.microsoft.com/office/drawing/2014/main" id="{DE58CEBC-8A97-3A13-1627-C65B84F2C4F2}"/>
+              </a:ext>
+            </a:extLst>
+          </p:cNvPr>
+          <p:cNvCxnSpPr>
+            <a:cxnSpLocks/>
+          </p:cNvCxnSpPr>
+          <p:nvPr/>
+        </p:nvCxnSpPr>
+        <p:spPr>
+          <a:xfrm>
+            <a:off x="3936333" y="6010961"/>
+            <a:ext cx="3537858" cy="0"/>
+          </a:xfrm>
+          <a:prstGeom prst="line">
+            <a:avLst/>
+          </a:prstGeom>
+          <a:ln w="12700">
+            <a:solidFill>
+              <a:schemeClr val="tx1"/>
+            </a:solidFill>
+            <a:headEnd type="arrow" w="med" len="med"/>
+            <a:tailEnd type="arrow"/>
+          </a:ln>
+        </p:spPr>
+        <p:style>
+          <a:lnRef idx="1">
+            <a:schemeClr val="accent1"/>
+          </a:lnRef>
+          <a:fillRef idx="0">
+            <a:schemeClr val="accent1"/>
+          </a:fillRef>
+          <a:effectRef idx="0">
+            <a:schemeClr val="accent1"/>
+          </a:effectRef>
+          <a:fontRef idx="minor">
+            <a:schemeClr val="tx1"/>
+          </a:fontRef>
+        </p:style>
+      </p:cxnSp>
+      <p:sp>
+        <p:nvSpPr>
+          <p:cNvPr id="47" name="TextBox 46">
+            <a:extLst>
+              <a:ext uri="{FF2B5EF4-FFF2-40B4-BE49-F238E27FC236}">
+                <a16:creationId xmlns:a16="http://schemas.microsoft.com/office/drawing/2014/main" id="{48C91619-549F-319D-2344-77EA77036943}"/>
+              </a:ext>
+            </a:extLst>
+          </p:cNvPr>
+          <p:cNvSpPr txBox="1"/>
+          <p:nvPr/>
+        </p:nvSpPr>
+        <p:spPr>
+          <a:xfrm>
+            <a:off x="5061945" y="5976646"/>
+            <a:ext cx="1548886" cy="369332"/>
+          </a:xfrm>
+          <a:prstGeom prst="rect">
+            <a:avLst/>
+          </a:prstGeom>
+          <a:noFill/>
+        </p:spPr>
+        <p:txBody>
+          <a:bodyPr wrap="none" rtlCol="0">
+            <a:spAutoFit/>
+          </a:bodyPr>
+          <a:lstStyle/>
+          <a:p>
+            <a:r>
+              <a:rPr lang="en-GB" dirty="0"/>
+              <a:t>drawing-width</a:t>
+            </a:r>
+          </a:p>
+        </p:txBody>
+      </p:sp>
+      <p:cxnSp>
+        <p:nvCxnSpPr>
+          <p:cNvPr id="48" name="Straight Connector 47">
+            <a:extLst>
+              <a:ext uri="{FF2B5EF4-FFF2-40B4-BE49-F238E27FC236}">
+                <a16:creationId xmlns:a16="http://schemas.microsoft.com/office/drawing/2014/main" id="{E15E00EE-9156-2C48-E619-D54CC96DDCA6}"/>
+              </a:ext>
+            </a:extLst>
+          </p:cNvPr>
+          <p:cNvCxnSpPr>
+            <a:cxnSpLocks/>
+          </p:cNvCxnSpPr>
+          <p:nvPr/>
+        </p:nvCxnSpPr>
+        <p:spPr>
+          <a:xfrm>
+            <a:off x="8586240" y="1940352"/>
+            <a:ext cx="0" cy="2109131"/>
+          </a:xfrm>
+          <a:prstGeom prst="line">
+            <a:avLst/>
+          </a:prstGeom>
+          <a:ln w="12700">
+            <a:solidFill>
+              <a:schemeClr val="tx1"/>
+            </a:solidFill>
+            <a:headEnd type="arrow" w="med" len="med"/>
+            <a:tailEnd type="arrow"/>
+          </a:ln>
+        </p:spPr>
+        <p:style>
+          <a:lnRef idx="1">
+            <a:schemeClr val="accent1"/>
+          </a:lnRef>
+          <a:fillRef idx="0">
+            <a:schemeClr val="accent1"/>
+          </a:fillRef>
+          <a:effectRef idx="0">
+            <a:schemeClr val="accent1"/>
+          </a:effectRef>
+          <a:fontRef idx="minor">
+            <a:schemeClr val="tx1"/>
+          </a:fontRef>
+        </p:style>
+      </p:cxnSp>
+      <p:sp>
+        <p:nvSpPr>
+          <p:cNvPr id="51" name="TextBox 50">
+            <a:extLst>
+              <a:ext uri="{FF2B5EF4-FFF2-40B4-BE49-F238E27FC236}">
+                <a16:creationId xmlns:a16="http://schemas.microsoft.com/office/drawing/2014/main" id="{1389A1EB-18DA-84BA-8BD3-4D900E93BA1F}"/>
+              </a:ext>
+            </a:extLst>
+          </p:cNvPr>
+          <p:cNvSpPr txBox="1"/>
+          <p:nvPr/>
+        </p:nvSpPr>
+        <p:spPr>
+          <a:xfrm>
+            <a:off x="8586240" y="2481859"/>
+            <a:ext cx="1606081" cy="369332"/>
+          </a:xfrm>
+          <a:prstGeom prst="rect">
+            <a:avLst/>
+          </a:prstGeom>
+          <a:noFill/>
+        </p:spPr>
+        <p:txBody>
+          <a:bodyPr wrap="none" rtlCol="0">
+            <a:spAutoFit/>
+          </a:bodyPr>
+          <a:lstStyle/>
+          <a:p>
+            <a:r>
+              <a:rPr lang="en-GB" dirty="0"/>
+              <a:t>drawing-height</a:t>
+            </a:r>
+          </a:p>
+        </p:txBody>
+      </p:sp>
+      <p:cxnSp>
+        <p:nvCxnSpPr>
+          <p:cNvPr id="53" name="Straight Connector 52">
+            <a:extLst>
+              <a:ext uri="{FF2B5EF4-FFF2-40B4-BE49-F238E27FC236}">
+                <a16:creationId xmlns:a16="http://schemas.microsoft.com/office/drawing/2014/main" id="{5051ABE2-4039-8E46-B705-8328C31A75F8}"/>
+              </a:ext>
+            </a:extLst>
+          </p:cNvPr>
+          <p:cNvCxnSpPr/>
+          <p:nvPr/>
+        </p:nvCxnSpPr>
+        <p:spPr>
+          <a:xfrm flipV="1">
+            <a:off x="3929739" y="901243"/>
+            <a:ext cx="0" cy="1036413"/>
+          </a:xfrm>
+          <a:prstGeom prst="line">
+            <a:avLst/>
+          </a:prstGeom>
+          <a:ln w="12700">
+            <a:solidFill>
+              <a:schemeClr val="tx1">
+                <a:lumMod val="50000"/>
+                <a:lumOff val="50000"/>
+              </a:schemeClr>
+            </a:solidFill>
+            <a:prstDash val="lgDash"/>
+          </a:ln>
+        </p:spPr>
+        <p:style>
+          <a:lnRef idx="1">
+            <a:schemeClr val="accent1"/>
+          </a:lnRef>
+          <a:fillRef idx="0">
+            <a:schemeClr val="accent1"/>
+          </a:fillRef>
+          <a:effectRef idx="0">
+            <a:schemeClr val="accent1"/>
+          </a:effectRef>
+          <a:fontRef idx="minor">
+            <a:schemeClr val="tx1"/>
+          </a:fontRef>
+        </p:style>
+      </p:cxnSp>
+      <p:cxnSp>
+        <p:nvCxnSpPr>
+          <p:cNvPr id="54" name="Straight Connector 53">
+            <a:extLst>
+              <a:ext uri="{FF2B5EF4-FFF2-40B4-BE49-F238E27FC236}">
+                <a16:creationId xmlns:a16="http://schemas.microsoft.com/office/drawing/2014/main" id="{6390CB81-D664-9AF7-D9D9-32DD854B4E43}"/>
+              </a:ext>
+            </a:extLst>
+          </p:cNvPr>
+          <p:cNvCxnSpPr>
+            <a:cxnSpLocks/>
+          </p:cNvCxnSpPr>
+          <p:nvPr/>
+        </p:nvCxnSpPr>
+        <p:spPr>
+          <a:xfrm>
+            <a:off x="7467597" y="1937656"/>
+            <a:ext cx="1129326" cy="0"/>
+          </a:xfrm>
+          <a:prstGeom prst="line">
+            <a:avLst/>
+          </a:prstGeom>
+          <a:ln w="12700">
+            <a:solidFill>
+              <a:schemeClr val="tx1">
+                <a:lumMod val="50000"/>
+                <a:lumOff val="50000"/>
+              </a:schemeClr>
+            </a:solidFill>
+            <a:prstDash val="lgDash"/>
+          </a:ln>
+        </p:spPr>
+        <p:style>
+          <a:lnRef idx="1">
+            <a:schemeClr val="accent1"/>
+          </a:lnRef>
+          <a:fillRef idx="0">
+            <a:schemeClr val="accent1"/>
+          </a:fillRef>
+          <a:effectRef idx="0">
+            <a:schemeClr val="accent1"/>
+          </a:effectRef>
+          <a:fontRef idx="minor">
+            <a:schemeClr val="tx1"/>
+          </a:fontRef>
+        </p:style>
+      </p:cxnSp>
+      <p:cxnSp>
+        <p:nvCxnSpPr>
+          <p:cNvPr id="55" name="Straight Connector 54">
+            <a:extLst>
+              <a:ext uri="{FF2B5EF4-FFF2-40B4-BE49-F238E27FC236}">
+                <a16:creationId xmlns:a16="http://schemas.microsoft.com/office/drawing/2014/main" id="{B0DAC778-FA54-D1F4-7096-BA6134D89BA2}"/>
+              </a:ext>
+            </a:extLst>
+          </p:cNvPr>
+          <p:cNvCxnSpPr>
+            <a:cxnSpLocks/>
+          </p:cNvCxnSpPr>
+          <p:nvPr/>
+        </p:nvCxnSpPr>
+        <p:spPr>
+          <a:xfrm>
+            <a:off x="2828356" y="1138066"/>
+            <a:ext cx="1093845" cy="0"/>
+          </a:xfrm>
+          <a:prstGeom prst="line">
+            <a:avLst/>
+          </a:prstGeom>
+          <a:ln w="12700">
+            <a:solidFill>
+              <a:schemeClr val="tx1"/>
+            </a:solidFill>
+            <a:headEnd type="arrow" w="med" len="med"/>
+            <a:tailEnd type="arrow"/>
+          </a:ln>
+        </p:spPr>
+        <p:style>
+          <a:lnRef idx="1">
+            <a:schemeClr val="accent1"/>
+          </a:lnRef>
+          <a:fillRef idx="0">
+            <a:schemeClr val="accent1"/>
+          </a:fillRef>
+          <a:effectRef idx="0">
+            <a:schemeClr val="accent1"/>
+          </a:effectRef>
+          <a:fontRef idx="minor">
+            <a:schemeClr val="tx1"/>
+          </a:fontRef>
+        </p:style>
+      </p:cxnSp>
+      <p:sp>
+        <p:nvSpPr>
+          <p:cNvPr id="58" name="TextBox 57">
+            <a:extLst>
+              <a:ext uri="{FF2B5EF4-FFF2-40B4-BE49-F238E27FC236}">
+                <a16:creationId xmlns:a16="http://schemas.microsoft.com/office/drawing/2014/main" id="{98DB88E5-0A05-52CC-EEEF-10EA467E3E07}"/>
+              </a:ext>
+            </a:extLst>
+          </p:cNvPr>
+          <p:cNvSpPr txBox="1"/>
+          <p:nvPr/>
+        </p:nvSpPr>
+        <p:spPr>
+          <a:xfrm>
+            <a:off x="3302718" y="768734"/>
+            <a:ext cx="362600" cy="369332"/>
+          </a:xfrm>
+          <a:prstGeom prst="rect">
+            <a:avLst/>
+          </a:prstGeom>
+          <a:noFill/>
+        </p:spPr>
+        <p:txBody>
+          <a:bodyPr wrap="none" rtlCol="0">
+            <a:spAutoFit/>
+          </a:bodyPr>
+          <a:lstStyle/>
+          <a:p>
+            <a:r>
+              <a:rPr lang="en-FR" dirty="0"/>
+              <a:t>x</a:t>
+            </a:r>
+            <a:r>
+              <a:rPr lang="en-FR" baseline="-25000" dirty="0"/>
+              <a:t>0</a:t>
+            </a:r>
+          </a:p>
+        </p:txBody>
+      </p:sp>
+      <p:cxnSp>
+        <p:nvCxnSpPr>
+          <p:cNvPr id="59" name="Straight Connector 58">
+            <a:extLst>
+              <a:ext uri="{FF2B5EF4-FFF2-40B4-BE49-F238E27FC236}">
+                <a16:creationId xmlns:a16="http://schemas.microsoft.com/office/drawing/2014/main" id="{E418C9B9-814D-5063-57CF-D37728068189}"/>
+              </a:ext>
+            </a:extLst>
+          </p:cNvPr>
+          <p:cNvCxnSpPr>
+            <a:cxnSpLocks/>
+          </p:cNvCxnSpPr>
+          <p:nvPr/>
+        </p:nvCxnSpPr>
+        <p:spPr>
+          <a:xfrm>
+            <a:off x="2831623" y="704625"/>
+            <a:ext cx="5398978" cy="0"/>
+          </a:xfrm>
+          <a:prstGeom prst="line">
+            <a:avLst/>
+          </a:prstGeom>
+          <a:ln w="12700">
+            <a:solidFill>
+              <a:schemeClr val="tx1"/>
+            </a:solidFill>
+            <a:headEnd type="arrow" w="med" len="med"/>
+            <a:tailEnd type="arrow"/>
+          </a:ln>
+        </p:spPr>
+        <p:style>
+          <a:lnRef idx="1">
+            <a:schemeClr val="accent1"/>
+          </a:lnRef>
+          <a:fillRef idx="0">
+            <a:schemeClr val="accent1"/>
+          </a:fillRef>
+          <a:effectRef idx="0">
+            <a:schemeClr val="accent1"/>
+          </a:effectRef>
+          <a:fontRef idx="minor">
+            <a:schemeClr val="tx1"/>
+          </a:fontRef>
+        </p:style>
+      </p:cxnSp>
+      <p:sp>
+        <p:nvSpPr>
+          <p:cNvPr id="62" name="TextBox 61">
+            <a:extLst>
+              <a:ext uri="{FF2B5EF4-FFF2-40B4-BE49-F238E27FC236}">
+                <a16:creationId xmlns:a16="http://schemas.microsoft.com/office/drawing/2014/main" id="{65871A33-CB13-C523-AABD-1E859521B78D}"/>
+              </a:ext>
+            </a:extLst>
+          </p:cNvPr>
+          <p:cNvSpPr txBox="1"/>
+          <p:nvPr/>
+        </p:nvSpPr>
+        <p:spPr>
+          <a:xfrm>
+            <a:off x="3300799" y="334619"/>
+            <a:ext cx="362600" cy="369332"/>
+          </a:xfrm>
+          <a:prstGeom prst="rect">
+            <a:avLst/>
+          </a:prstGeom>
+          <a:noFill/>
+        </p:spPr>
+        <p:txBody>
+          <a:bodyPr wrap="none" rtlCol="0">
+            <a:spAutoFit/>
+          </a:bodyPr>
+          <a:lstStyle/>
+          <a:p>
+            <a:r>
+              <a:rPr lang="en-FR" dirty="0"/>
+              <a:t>x</a:t>
+            </a:r>
+            <a:r>
+              <a:rPr lang="en-FR" baseline="-25000" dirty="0"/>
+              <a:t>1</a:t>
+            </a:r>
+          </a:p>
+        </p:txBody>
+      </p:sp>
+      <p:cxnSp>
+        <p:nvCxnSpPr>
+          <p:cNvPr id="63" name="Straight Connector 62">
+            <a:extLst>
+              <a:ext uri="{FF2B5EF4-FFF2-40B4-BE49-F238E27FC236}">
+                <a16:creationId xmlns:a16="http://schemas.microsoft.com/office/drawing/2014/main" id="{060751F9-E6DE-92FB-48EE-3AB5A61691FF}"/>
+              </a:ext>
+            </a:extLst>
+          </p:cNvPr>
+          <p:cNvCxnSpPr>
+            <a:cxnSpLocks/>
+          </p:cNvCxnSpPr>
+          <p:nvPr/>
+        </p:nvCxnSpPr>
+        <p:spPr>
+          <a:xfrm flipV="1">
+            <a:off x="2828356" y="175172"/>
+            <a:ext cx="0" cy="1365902"/>
+          </a:xfrm>
+          <a:prstGeom prst="line">
+            <a:avLst/>
+          </a:prstGeom>
+          <a:ln w="12700">
+            <a:solidFill>
+              <a:schemeClr val="tx1">
+                <a:lumMod val="50000"/>
+                <a:lumOff val="50000"/>
+              </a:schemeClr>
+            </a:solidFill>
+            <a:prstDash val="lgDash"/>
+          </a:ln>
+        </p:spPr>
+        <p:style>
+          <a:lnRef idx="1">
+            <a:schemeClr val="accent1"/>
+          </a:lnRef>
+          <a:fillRef idx="0">
+            <a:schemeClr val="accent1"/>
+          </a:fillRef>
+          <a:effectRef idx="0">
+            <a:schemeClr val="accent1"/>
+          </a:effectRef>
+          <a:fontRef idx="minor">
+            <a:schemeClr val="tx1"/>
+          </a:fontRef>
+        </p:style>
+      </p:cxnSp>
+      <p:cxnSp>
+        <p:nvCxnSpPr>
+          <p:cNvPr id="65" name="Straight Connector 64">
+            <a:extLst>
+              <a:ext uri="{FF2B5EF4-FFF2-40B4-BE49-F238E27FC236}">
+                <a16:creationId xmlns:a16="http://schemas.microsoft.com/office/drawing/2014/main" id="{CA0DBA3A-2964-6FFA-BDF4-A816952978B5}"/>
+              </a:ext>
+            </a:extLst>
+          </p:cNvPr>
+          <p:cNvCxnSpPr>
+            <a:cxnSpLocks/>
+          </p:cNvCxnSpPr>
+          <p:nvPr/>
+        </p:nvCxnSpPr>
+        <p:spPr>
+          <a:xfrm flipH="1" flipV="1">
+            <a:off x="1313142" y="1516055"/>
+            <a:ext cx="1503877" cy="1381"/>
+          </a:xfrm>
+          <a:prstGeom prst="line">
+            <a:avLst/>
+          </a:prstGeom>
+          <a:ln w="12700">
+            <a:solidFill>
+              <a:schemeClr val="tx1">
+                <a:lumMod val="50000"/>
+                <a:lumOff val="50000"/>
+              </a:schemeClr>
+            </a:solidFill>
+            <a:prstDash val="lgDash"/>
+          </a:ln>
+        </p:spPr>
+        <p:style>
+          <a:lnRef idx="1">
+            <a:schemeClr val="accent1"/>
+          </a:lnRef>
+          <a:fillRef idx="0">
+            <a:schemeClr val="accent1"/>
+          </a:fillRef>
+          <a:effectRef idx="0">
+            <a:schemeClr val="accent1"/>
+          </a:effectRef>
+          <a:fontRef idx="minor">
+            <a:schemeClr val="tx1"/>
+          </a:fontRef>
+        </p:style>
+      </p:cxnSp>
+      <p:cxnSp>
+        <p:nvCxnSpPr>
+          <p:cNvPr id="67" name="Straight Connector 66">
+            <a:extLst>
+              <a:ext uri="{FF2B5EF4-FFF2-40B4-BE49-F238E27FC236}">
+                <a16:creationId xmlns:a16="http://schemas.microsoft.com/office/drawing/2014/main" id="{3582DA8D-C9EE-1B62-613B-B3B2A7694E7C}"/>
+              </a:ext>
+            </a:extLst>
+          </p:cNvPr>
+          <p:cNvCxnSpPr>
+            <a:cxnSpLocks/>
+          </p:cNvCxnSpPr>
+          <p:nvPr/>
+        </p:nvCxnSpPr>
+        <p:spPr>
+          <a:xfrm flipH="1" flipV="1">
+            <a:off x="1963867" y="1929766"/>
+            <a:ext cx="1853909" cy="5462"/>
+          </a:xfrm>
+          <a:prstGeom prst="line">
+            <a:avLst/>
+          </a:prstGeom>
+          <a:ln w="12700">
+            <a:solidFill>
+              <a:schemeClr val="tx1">
+                <a:lumMod val="50000"/>
+                <a:lumOff val="50000"/>
+              </a:schemeClr>
+            </a:solidFill>
+            <a:prstDash val="lgDash"/>
+          </a:ln>
+        </p:spPr>
+        <p:style>
+          <a:lnRef idx="1">
+            <a:schemeClr val="accent1"/>
+          </a:lnRef>
+          <a:fillRef idx="0">
+            <a:schemeClr val="accent1"/>
+          </a:fillRef>
+          <a:effectRef idx="0">
+            <a:schemeClr val="accent1"/>
+          </a:effectRef>
+          <a:fontRef idx="minor">
+            <a:schemeClr val="tx1"/>
+          </a:fontRef>
+        </p:style>
+      </p:cxnSp>
+      <p:sp>
+        <p:nvSpPr>
+          <p:cNvPr id="69" name="TextBox 68">
+            <a:extLst>
+              <a:ext uri="{FF2B5EF4-FFF2-40B4-BE49-F238E27FC236}">
+                <a16:creationId xmlns:a16="http://schemas.microsoft.com/office/drawing/2014/main" id="{29348AE9-D9E3-7281-38F7-D7AC6ACA958D}"/>
+              </a:ext>
+            </a:extLst>
+          </p:cNvPr>
+          <p:cNvSpPr txBox="1"/>
+          <p:nvPr/>
+        </p:nvSpPr>
+        <p:spPr>
+          <a:xfrm>
+            <a:off x="1878026" y="1520238"/>
+            <a:ext cx="367408" cy="369332"/>
+          </a:xfrm>
+          <a:prstGeom prst="rect">
+            <a:avLst/>
+          </a:prstGeom>
+          <a:noFill/>
+        </p:spPr>
+        <p:txBody>
+          <a:bodyPr wrap="none" rtlCol="0">
+            <a:spAutoFit/>
+          </a:bodyPr>
+          <a:lstStyle/>
+          <a:p>
+            <a:r>
+              <a:rPr lang="en-FR" dirty="0"/>
+              <a:t>y</a:t>
+            </a:r>
+            <a:r>
+              <a:rPr lang="en-FR" baseline="-25000" dirty="0"/>
+              <a:t>0</a:t>
+            </a:r>
+          </a:p>
+        </p:txBody>
+      </p:sp>
+      <p:cxnSp>
+        <p:nvCxnSpPr>
+          <p:cNvPr id="70" name="Straight Connector 69">
+            <a:extLst>
+              <a:ext uri="{FF2B5EF4-FFF2-40B4-BE49-F238E27FC236}">
+                <a16:creationId xmlns:a16="http://schemas.microsoft.com/office/drawing/2014/main" id="{6E1BD462-4FCC-3623-0996-F62E3810171D}"/>
+              </a:ext>
+            </a:extLst>
+          </p:cNvPr>
+          <p:cNvCxnSpPr>
+            <a:cxnSpLocks/>
+          </p:cNvCxnSpPr>
+          <p:nvPr/>
+        </p:nvCxnSpPr>
+        <p:spPr>
+          <a:xfrm>
+            <a:off x="2196016" y="1516055"/>
+            <a:ext cx="0" cy="437783"/>
+          </a:xfrm>
+          <a:prstGeom prst="line">
+            <a:avLst/>
+          </a:prstGeom>
+          <a:ln w="12700">
+            <a:solidFill>
+              <a:schemeClr val="tx1"/>
+            </a:solidFill>
+            <a:headEnd type="arrow" w="med" len="med"/>
+            <a:tailEnd type="arrow"/>
+          </a:ln>
+        </p:spPr>
+        <p:style>
+          <a:lnRef idx="1">
+            <a:schemeClr val="accent1"/>
+          </a:lnRef>
+          <a:fillRef idx="0">
+            <a:schemeClr val="accent1"/>
+          </a:fillRef>
+          <a:effectRef idx="0">
+            <a:schemeClr val="accent1"/>
+          </a:effectRef>
+          <a:fontRef idx="minor">
+            <a:schemeClr val="tx1"/>
+          </a:fontRef>
+        </p:style>
+      </p:cxnSp>
+      <p:cxnSp>
+        <p:nvCxnSpPr>
+          <p:cNvPr id="74" name="Straight Connector 73">
+            <a:extLst>
+              <a:ext uri="{FF2B5EF4-FFF2-40B4-BE49-F238E27FC236}">
+                <a16:creationId xmlns:a16="http://schemas.microsoft.com/office/drawing/2014/main" id="{CE61AE92-E554-322E-70CF-E92DE1AD0E31}"/>
+              </a:ext>
+            </a:extLst>
+          </p:cNvPr>
+          <p:cNvCxnSpPr>
+            <a:cxnSpLocks/>
+          </p:cNvCxnSpPr>
+          <p:nvPr/>
+        </p:nvCxnSpPr>
+        <p:spPr>
+          <a:xfrm flipH="1" flipV="1">
+            <a:off x="1154157" y="4041325"/>
+            <a:ext cx="1853909" cy="5462"/>
+          </a:xfrm>
+          <a:prstGeom prst="line">
+            <a:avLst/>
+          </a:prstGeom>
+          <a:ln w="12700">
+            <a:solidFill>
+              <a:schemeClr val="tx1">
+                <a:lumMod val="50000"/>
+                <a:lumOff val="50000"/>
+              </a:schemeClr>
+            </a:solidFill>
+            <a:prstDash val="lgDash"/>
+          </a:ln>
+        </p:spPr>
+        <p:style>
+          <a:lnRef idx="1">
+            <a:schemeClr val="accent1"/>
+          </a:lnRef>
+          <a:fillRef idx="0">
+            <a:schemeClr val="accent1"/>
+          </a:fillRef>
+          <a:effectRef idx="0">
+            <a:schemeClr val="accent1"/>
+          </a:effectRef>
+          <a:fontRef idx="minor">
+            <a:schemeClr val="tx1"/>
+          </a:fontRef>
+        </p:style>
+      </p:cxnSp>
+      <p:cxnSp>
+        <p:nvCxnSpPr>
+          <p:cNvPr id="75" name="Straight Connector 74">
+            <a:extLst>
+              <a:ext uri="{FF2B5EF4-FFF2-40B4-BE49-F238E27FC236}">
+                <a16:creationId xmlns:a16="http://schemas.microsoft.com/office/drawing/2014/main" id="{57407DF2-5531-D6D4-FB35-58AA624D3AA7}"/>
+              </a:ext>
+            </a:extLst>
+          </p:cNvPr>
+          <p:cNvCxnSpPr>
+            <a:cxnSpLocks/>
+          </p:cNvCxnSpPr>
+          <p:nvPr/>
+        </p:nvCxnSpPr>
+        <p:spPr>
+          <a:xfrm>
+            <a:off x="1604613" y="1632360"/>
+            <a:ext cx="0" cy="2417123"/>
+          </a:xfrm>
+          <a:prstGeom prst="line">
+            <a:avLst/>
+          </a:prstGeom>
+          <a:ln w="12700">
+            <a:solidFill>
+              <a:schemeClr val="tx1"/>
+            </a:solidFill>
+            <a:headEnd type="arrow" w="med" len="med"/>
+            <a:tailEnd type="arrow"/>
+          </a:ln>
+        </p:spPr>
+        <p:style>
+          <a:lnRef idx="1">
+            <a:schemeClr val="accent1"/>
+          </a:lnRef>
+          <a:fillRef idx="0">
+            <a:schemeClr val="accent1"/>
+          </a:fillRef>
+          <a:effectRef idx="0">
+            <a:schemeClr val="accent1"/>
+          </a:effectRef>
+          <a:fontRef idx="minor">
+            <a:schemeClr val="tx1"/>
+          </a:fontRef>
+        </p:style>
+      </p:cxnSp>
+      <p:sp>
+        <p:nvSpPr>
+          <p:cNvPr id="77" name="TextBox 76">
+            <a:extLst>
+              <a:ext uri="{FF2B5EF4-FFF2-40B4-BE49-F238E27FC236}">
+                <a16:creationId xmlns:a16="http://schemas.microsoft.com/office/drawing/2014/main" id="{D567362E-DEE0-288B-E02C-AF71EE93C67A}"/>
+              </a:ext>
+            </a:extLst>
+          </p:cNvPr>
+          <p:cNvSpPr txBox="1"/>
+          <p:nvPr/>
+        </p:nvSpPr>
+        <p:spPr>
+          <a:xfrm>
+            <a:off x="1292429" y="2583723"/>
+            <a:ext cx="367408" cy="369332"/>
+          </a:xfrm>
+          <a:prstGeom prst="rect">
+            <a:avLst/>
+          </a:prstGeom>
+          <a:noFill/>
+        </p:spPr>
+        <p:txBody>
+          <a:bodyPr wrap="none" rtlCol="0">
+            <a:spAutoFit/>
+          </a:bodyPr>
+          <a:lstStyle/>
+          <a:p>
+            <a:r>
+              <a:rPr lang="en-FR" dirty="0"/>
+              <a:t>y</a:t>
+            </a:r>
+            <a:r>
+              <a:rPr lang="en-FR" baseline="-25000" dirty="0"/>
+              <a:t>1</a:t>
+            </a:r>
+          </a:p>
+        </p:txBody>
+      </p:sp>
+      <p:cxnSp>
+        <p:nvCxnSpPr>
+          <p:cNvPr id="79" name="Straight Connector 78">
+            <a:extLst>
+              <a:ext uri="{FF2B5EF4-FFF2-40B4-BE49-F238E27FC236}">
+                <a16:creationId xmlns:a16="http://schemas.microsoft.com/office/drawing/2014/main" id="{86449DF3-4B18-334F-345C-9A30EC656E98}"/>
+              </a:ext>
+            </a:extLst>
+          </p:cNvPr>
+          <p:cNvCxnSpPr>
+            <a:cxnSpLocks/>
+          </p:cNvCxnSpPr>
+          <p:nvPr/>
+        </p:nvCxnSpPr>
+        <p:spPr>
+          <a:xfrm flipV="1">
+            <a:off x="3931027" y="4700790"/>
+            <a:ext cx="0" cy="1707825"/>
+          </a:xfrm>
+          <a:prstGeom prst="line">
+            <a:avLst/>
+          </a:prstGeom>
+          <a:ln w="12700">
+            <a:solidFill>
+              <a:schemeClr val="tx1">
+                <a:lumMod val="50000"/>
+                <a:lumOff val="50000"/>
+              </a:schemeClr>
+            </a:solidFill>
+            <a:prstDash val="lgDash"/>
+          </a:ln>
+        </p:spPr>
+        <p:style>
+          <a:lnRef idx="1">
+            <a:schemeClr val="accent1"/>
+          </a:lnRef>
+          <a:fillRef idx="0">
+            <a:schemeClr val="accent1"/>
+          </a:fillRef>
+          <a:effectRef idx="0">
+            <a:schemeClr val="accent1"/>
+          </a:effectRef>
+          <a:fontRef idx="minor">
+            <a:schemeClr val="tx1"/>
+          </a:fontRef>
+        </p:style>
+      </p:cxnSp>
+      <p:cxnSp>
+        <p:nvCxnSpPr>
+          <p:cNvPr id="80" name="Straight Connector 79">
+            <a:extLst>
+              <a:ext uri="{FF2B5EF4-FFF2-40B4-BE49-F238E27FC236}">
+                <a16:creationId xmlns:a16="http://schemas.microsoft.com/office/drawing/2014/main" id="{99C3DD20-A248-C66D-9CF4-AA8F5D072590}"/>
+              </a:ext>
+            </a:extLst>
+          </p:cNvPr>
+          <p:cNvCxnSpPr>
+            <a:cxnSpLocks/>
+          </p:cNvCxnSpPr>
+          <p:nvPr/>
+        </p:nvCxnSpPr>
+        <p:spPr>
+          <a:xfrm flipV="1">
+            <a:off x="7467597" y="4700790"/>
+            <a:ext cx="0" cy="1559333"/>
+          </a:xfrm>
+          <a:prstGeom prst="line">
+            <a:avLst/>
+          </a:prstGeom>
+          <a:ln w="12700">
+            <a:solidFill>
+              <a:schemeClr val="tx1">
+                <a:lumMod val="50000"/>
+                <a:lumOff val="50000"/>
+              </a:schemeClr>
+            </a:solidFill>
+            <a:prstDash val="lgDash"/>
+          </a:ln>
+        </p:spPr>
+        <p:style>
+          <a:lnRef idx="1">
+            <a:schemeClr val="accent1"/>
+          </a:lnRef>
+          <a:fillRef idx="0">
+            <a:schemeClr val="accent1"/>
+          </a:fillRef>
+          <a:effectRef idx="0">
+            <a:schemeClr val="accent1"/>
+          </a:effectRef>
+          <a:fontRef idx="minor">
+            <a:schemeClr val="tx1"/>
+          </a:fontRef>
+        </p:style>
+      </p:cxnSp>
+      <p:cxnSp>
+        <p:nvCxnSpPr>
+          <p:cNvPr id="81" name="Straight Connector 80">
+            <a:extLst>
+              <a:ext uri="{FF2B5EF4-FFF2-40B4-BE49-F238E27FC236}">
+                <a16:creationId xmlns:a16="http://schemas.microsoft.com/office/drawing/2014/main" id="{72507D9E-91FB-2F65-5C95-CCBCC49A168C}"/>
+              </a:ext>
+            </a:extLst>
+          </p:cNvPr>
+          <p:cNvCxnSpPr>
+            <a:cxnSpLocks/>
+          </p:cNvCxnSpPr>
+          <p:nvPr/>
+        </p:nvCxnSpPr>
+        <p:spPr>
+          <a:xfrm flipV="1">
+            <a:off x="3017034" y="4049483"/>
+            <a:ext cx="0" cy="1687720"/>
+          </a:xfrm>
+          <a:prstGeom prst="line">
+            <a:avLst/>
+          </a:prstGeom>
+          <a:ln w="12700">
+            <a:solidFill>
+              <a:schemeClr val="tx1">
+                <a:lumMod val="50000"/>
+                <a:lumOff val="50000"/>
+              </a:schemeClr>
+            </a:solidFill>
+            <a:prstDash val="lgDash"/>
+          </a:ln>
+        </p:spPr>
+        <p:style>
+          <a:lnRef idx="1">
+            <a:schemeClr val="accent1"/>
+          </a:lnRef>
+          <a:fillRef idx="0">
+            <a:schemeClr val="accent1"/>
+          </a:fillRef>
+          <a:effectRef idx="0">
+            <a:schemeClr val="accent1"/>
+          </a:effectRef>
+          <a:fontRef idx="minor">
+            <a:schemeClr val="tx1"/>
+          </a:fontRef>
+        </p:style>
+      </p:cxnSp>
+      <p:cxnSp>
+        <p:nvCxnSpPr>
+          <p:cNvPr id="83" name="Straight Connector 82">
+            <a:extLst>
+              <a:ext uri="{FF2B5EF4-FFF2-40B4-BE49-F238E27FC236}">
+                <a16:creationId xmlns:a16="http://schemas.microsoft.com/office/drawing/2014/main" id="{2257F367-9A55-053C-CC12-B28BA14E2525}"/>
+              </a:ext>
+            </a:extLst>
+          </p:cNvPr>
+          <p:cNvCxnSpPr>
+            <a:cxnSpLocks/>
+          </p:cNvCxnSpPr>
+          <p:nvPr/>
+        </p:nvCxnSpPr>
+        <p:spPr>
+          <a:xfrm flipH="1">
+            <a:off x="7474191" y="4041325"/>
+            <a:ext cx="1204186" cy="0"/>
+          </a:xfrm>
+          <a:prstGeom prst="line">
+            <a:avLst/>
+          </a:prstGeom>
+          <a:ln w="12700">
+            <a:solidFill>
+              <a:schemeClr val="tx1">
+                <a:lumMod val="50000"/>
+                <a:lumOff val="50000"/>
+              </a:schemeClr>
+            </a:solidFill>
+            <a:prstDash val="lgDash"/>
+          </a:ln>
+        </p:spPr>
+        <p:style>
+          <a:lnRef idx="1">
+            <a:schemeClr val="accent1"/>
+          </a:lnRef>
+          <a:fillRef idx="0">
+            <a:schemeClr val="accent1"/>
+          </a:fillRef>
+          <a:effectRef idx="0">
+            <a:schemeClr val="accent1"/>
+          </a:effectRef>
+          <a:fontRef idx="minor">
+            <a:schemeClr val="tx1"/>
+          </a:fontRef>
+        </p:style>
+      </p:cxnSp>
+      <p:cxnSp>
+        <p:nvCxnSpPr>
+          <p:cNvPr id="89" name="Straight Connector 88">
+            <a:extLst>
+              <a:ext uri="{FF2B5EF4-FFF2-40B4-BE49-F238E27FC236}">
+                <a16:creationId xmlns:a16="http://schemas.microsoft.com/office/drawing/2014/main" id="{FF0CEA47-616D-5C4E-7822-371581D12EC7}"/>
+              </a:ext>
+            </a:extLst>
+          </p:cNvPr>
+          <p:cNvCxnSpPr>
+            <a:cxnSpLocks/>
+          </p:cNvCxnSpPr>
+          <p:nvPr/>
+        </p:nvCxnSpPr>
+        <p:spPr>
+          <a:xfrm flipV="1">
+            <a:off x="8230601" y="335293"/>
+            <a:ext cx="0" cy="1205781"/>
+          </a:xfrm>
+          <a:prstGeom prst="line">
+            <a:avLst/>
+          </a:prstGeom>
+          <a:ln w="12700">
+            <a:solidFill>
+              <a:schemeClr val="tx1">
+                <a:lumMod val="50000"/>
+                <a:lumOff val="50000"/>
+              </a:schemeClr>
+            </a:solidFill>
+            <a:prstDash val="lgDash"/>
+          </a:ln>
+        </p:spPr>
+        <p:style>
+          <a:lnRef idx="1">
+            <a:schemeClr val="accent1"/>
+          </a:lnRef>
+          <a:fillRef idx="0">
+            <a:schemeClr val="accent1"/>
+          </a:fillRef>
+          <a:effectRef idx="0">
+            <a:schemeClr val="accent1"/>
+          </a:effectRef>
+          <a:fontRef idx="minor">
+            <a:schemeClr val="tx1"/>
+          </a:fontRef>
+        </p:style>
+      </p:cxnSp>
+      <p:cxnSp>
+        <p:nvCxnSpPr>
+          <p:cNvPr id="91" name="Straight Connector 90">
+            <a:extLst>
+              <a:ext uri="{FF2B5EF4-FFF2-40B4-BE49-F238E27FC236}">
+                <a16:creationId xmlns:a16="http://schemas.microsoft.com/office/drawing/2014/main" id="{052904D5-EEB6-1097-038D-30452C63EDA8}"/>
+              </a:ext>
+            </a:extLst>
+          </p:cNvPr>
+          <p:cNvCxnSpPr>
+            <a:cxnSpLocks/>
+          </p:cNvCxnSpPr>
+          <p:nvPr/>
+        </p:nvCxnSpPr>
+        <p:spPr>
+          <a:xfrm>
+            <a:off x="3027865" y="5554702"/>
+            <a:ext cx="908468" cy="0"/>
+          </a:xfrm>
+          <a:prstGeom prst="line">
+            <a:avLst/>
+          </a:prstGeom>
+          <a:ln w="12700">
+            <a:solidFill>
+              <a:schemeClr val="tx1"/>
+            </a:solidFill>
+            <a:headEnd type="arrow" w="med" len="med"/>
+            <a:tailEnd type="arrow"/>
+          </a:ln>
+        </p:spPr>
+        <p:style>
+          <a:lnRef idx="1">
+            <a:schemeClr val="accent1"/>
+          </a:lnRef>
+          <a:fillRef idx="0">
+            <a:schemeClr val="accent1"/>
+          </a:fillRef>
+          <a:effectRef idx="0">
+            <a:schemeClr val="accent1"/>
+          </a:effectRef>
+          <a:fontRef idx="minor">
+            <a:schemeClr val="tx1"/>
+          </a:fontRef>
+        </p:style>
+      </p:cxnSp>
+      <p:sp>
+        <p:nvSpPr>
+          <p:cNvPr id="93" name="TextBox 92">
+            <a:extLst>
+              <a:ext uri="{FF2B5EF4-FFF2-40B4-BE49-F238E27FC236}">
+                <a16:creationId xmlns:a16="http://schemas.microsoft.com/office/drawing/2014/main" id="{1CCF75C0-CC98-7890-3D7E-21E4A0D3CCB2}"/>
+              </a:ext>
+            </a:extLst>
+          </p:cNvPr>
+          <p:cNvSpPr txBox="1"/>
+          <p:nvPr/>
+        </p:nvSpPr>
+        <p:spPr>
+          <a:xfrm>
+            <a:off x="2370986" y="5559227"/>
+            <a:ext cx="1313758" cy="369332"/>
+          </a:xfrm>
+          <a:prstGeom prst="rect">
+            <a:avLst/>
+          </a:prstGeom>
+          <a:noFill/>
+        </p:spPr>
+        <p:txBody>
+          <a:bodyPr wrap="none" rtlCol="0">
+            <a:spAutoFit/>
+          </a:bodyPr>
+          <a:lstStyle/>
+          <a:p>
+            <a:r>
+              <a:rPr lang="en-GB" dirty="0"/>
+              <a:t>v-axis-width</a:t>
+            </a:r>
+          </a:p>
+        </p:txBody>
+      </p:sp>
+      <p:sp>
+        <p:nvSpPr>
+          <p:cNvPr id="94" name="TextBox 93">
+            <a:extLst>
+              <a:ext uri="{FF2B5EF4-FFF2-40B4-BE49-F238E27FC236}">
+                <a16:creationId xmlns:a16="http://schemas.microsoft.com/office/drawing/2014/main" id="{23DBFFE2-A22E-75EA-A689-E15D76368C90}"/>
+              </a:ext>
+            </a:extLst>
+          </p:cNvPr>
+          <p:cNvSpPr txBox="1"/>
+          <p:nvPr/>
+        </p:nvSpPr>
+        <p:spPr>
+          <a:xfrm>
+            <a:off x="3955578" y="1922408"/>
+            <a:ext cx="750334" cy="369332"/>
+          </a:xfrm>
+          <a:prstGeom prst="rect">
+            <a:avLst/>
+          </a:prstGeom>
+          <a:noFill/>
+        </p:spPr>
+        <p:txBody>
+          <a:bodyPr wrap="none" rtlCol="0">
+            <a:spAutoFit/>
+          </a:bodyPr>
+          <a:lstStyle/>
+          <a:p>
+            <a:r>
+              <a:rPr lang="en-GB" dirty="0"/>
+              <a:t>V-Axis</a:t>
+            </a:r>
+          </a:p>
+        </p:txBody>
+      </p:sp>
+      <p:sp>
+        <p:nvSpPr>
+          <p:cNvPr id="95" name="TextBox 94">
+            <a:extLst>
+              <a:ext uri="{FF2B5EF4-FFF2-40B4-BE49-F238E27FC236}">
+                <a16:creationId xmlns:a16="http://schemas.microsoft.com/office/drawing/2014/main" id="{C416306C-4A0E-2980-91F7-D5E54FFE76DA}"/>
+              </a:ext>
+            </a:extLst>
+          </p:cNvPr>
+          <p:cNvSpPr txBox="1"/>
+          <p:nvPr/>
+        </p:nvSpPr>
+        <p:spPr>
+          <a:xfrm>
+            <a:off x="6714565" y="3660299"/>
+            <a:ext cx="724494" cy="369332"/>
+          </a:xfrm>
+          <a:prstGeom prst="rect">
+            <a:avLst/>
+          </a:prstGeom>
+          <a:noFill/>
+        </p:spPr>
+        <p:txBody>
+          <a:bodyPr wrap="none" rtlCol="0">
+            <a:spAutoFit/>
+          </a:bodyPr>
+          <a:lstStyle/>
+          <a:p>
+            <a:r>
+              <a:rPr lang="en-GB" dirty="0"/>
+              <a:t>T-Axis</a:t>
+            </a:r>
+          </a:p>
+        </p:txBody>
+      </p:sp>
+      <p:cxnSp>
+        <p:nvCxnSpPr>
+          <p:cNvPr id="96" name="Straight Connector 95">
+            <a:extLst>
+              <a:ext uri="{FF2B5EF4-FFF2-40B4-BE49-F238E27FC236}">
+                <a16:creationId xmlns:a16="http://schemas.microsoft.com/office/drawing/2014/main" id="{C7145529-924B-7660-3EF9-519958E082FA}"/>
+              </a:ext>
+            </a:extLst>
+          </p:cNvPr>
+          <p:cNvCxnSpPr>
+            <a:cxnSpLocks/>
+          </p:cNvCxnSpPr>
+          <p:nvPr/>
+        </p:nvCxnSpPr>
+        <p:spPr>
+          <a:xfrm flipH="1">
+            <a:off x="7466743" y="4688598"/>
+            <a:ext cx="1204186" cy="0"/>
+          </a:xfrm>
+          <a:prstGeom prst="line">
+            <a:avLst/>
+          </a:prstGeom>
+          <a:ln w="12700">
+            <a:solidFill>
+              <a:schemeClr val="tx1">
+                <a:lumMod val="50000"/>
+                <a:lumOff val="50000"/>
+              </a:schemeClr>
+            </a:solidFill>
+            <a:prstDash val="lgDash"/>
+          </a:ln>
+        </p:spPr>
+        <p:style>
+          <a:lnRef idx="1">
+            <a:schemeClr val="accent1"/>
+          </a:lnRef>
+          <a:fillRef idx="0">
+            <a:schemeClr val="accent1"/>
+          </a:fillRef>
+          <a:effectRef idx="0">
+            <a:schemeClr val="accent1"/>
+          </a:effectRef>
+          <a:fontRef idx="minor">
+            <a:schemeClr val="tx1"/>
+          </a:fontRef>
+        </p:style>
+      </p:cxnSp>
+      <p:cxnSp>
+        <p:nvCxnSpPr>
+          <p:cNvPr id="97" name="Straight Connector 96">
+            <a:extLst>
+              <a:ext uri="{FF2B5EF4-FFF2-40B4-BE49-F238E27FC236}">
+                <a16:creationId xmlns:a16="http://schemas.microsoft.com/office/drawing/2014/main" id="{6120CB78-4875-6B42-C33C-1C3EEDF0DDFC}"/>
+              </a:ext>
+            </a:extLst>
+          </p:cNvPr>
+          <p:cNvCxnSpPr>
+            <a:cxnSpLocks/>
+          </p:cNvCxnSpPr>
+          <p:nvPr/>
+        </p:nvCxnSpPr>
+        <p:spPr>
+          <a:xfrm>
+            <a:off x="8581707" y="4061561"/>
+            <a:ext cx="0" cy="614845"/>
+          </a:xfrm>
+          <a:prstGeom prst="line">
+            <a:avLst/>
+          </a:prstGeom>
+          <a:ln w="12700">
+            <a:solidFill>
+              <a:schemeClr val="tx1"/>
+            </a:solidFill>
+            <a:headEnd type="arrow" w="med" len="med"/>
+            <a:tailEnd type="arrow"/>
+          </a:ln>
+        </p:spPr>
+        <p:style>
+          <a:lnRef idx="1">
+            <a:schemeClr val="accent1"/>
+          </a:lnRef>
+          <a:fillRef idx="0">
+            <a:schemeClr val="accent1"/>
+          </a:fillRef>
+          <a:effectRef idx="0">
+            <a:schemeClr val="accent1"/>
+          </a:effectRef>
+          <a:fontRef idx="minor">
+            <a:schemeClr val="tx1"/>
+          </a:fontRef>
+        </p:style>
+      </p:cxnSp>
+      <p:sp>
+        <p:nvSpPr>
+          <p:cNvPr id="99" name="TextBox 98">
+            <a:extLst>
+              <a:ext uri="{FF2B5EF4-FFF2-40B4-BE49-F238E27FC236}">
+                <a16:creationId xmlns:a16="http://schemas.microsoft.com/office/drawing/2014/main" id="{3FB5FF9E-BC8E-C8A1-C3B8-F60B2A9B3F4C}"/>
+              </a:ext>
+            </a:extLst>
+          </p:cNvPr>
+          <p:cNvSpPr txBox="1"/>
+          <p:nvPr/>
+        </p:nvSpPr>
+        <p:spPr>
+          <a:xfrm>
+            <a:off x="8604522" y="4175658"/>
+            <a:ext cx="1284711" cy="369332"/>
+          </a:xfrm>
+          <a:prstGeom prst="rect">
+            <a:avLst/>
+          </a:prstGeom>
+          <a:noFill/>
+        </p:spPr>
+        <p:txBody>
+          <a:bodyPr wrap="none" rtlCol="0">
+            <a:spAutoFit/>
+          </a:bodyPr>
+          <a:lstStyle/>
+          <a:p>
+            <a:r>
+              <a:rPr lang="en-GB" dirty="0"/>
+              <a:t>t-axis-width</a:t>
+            </a:r>
+          </a:p>
+        </p:txBody>
+      </p:sp>
+      <p:sp>
+        <p:nvSpPr>
+          <p:cNvPr id="17" name="Rectangle 16">
+            <a:extLst>
+              <a:ext uri="{FF2B5EF4-FFF2-40B4-BE49-F238E27FC236}">
+                <a16:creationId xmlns:a16="http://schemas.microsoft.com/office/drawing/2014/main" id="{97CB5CAE-74E3-541D-C437-89864703DD71}"/>
+              </a:ext>
+            </a:extLst>
+          </p:cNvPr>
+          <p:cNvSpPr/>
+          <p:nvPr/>
+        </p:nvSpPr>
+        <p:spPr>
+          <a:xfrm>
+            <a:off x="3199119" y="1796463"/>
+            <a:ext cx="544606" cy="282388"/>
+          </a:xfrm>
+          <a:prstGeom prst="rect">
+            <a:avLst/>
+          </a:prstGeom>
+        </p:spPr>
+        <p:style>
+          <a:lnRef idx="2">
+            <a:schemeClr val="accent1">
+              <a:shade val="15000"/>
+            </a:schemeClr>
+          </a:lnRef>
+          <a:fillRef idx="1">
+            <a:schemeClr val="accent1"/>
+          </a:fillRef>
+          <a:effectRef idx="0">
+            <a:schemeClr val="accent1"/>
+          </a:effectRef>
+          <a:fontRef idx="minor">
+            <a:schemeClr val="lt1"/>
+          </a:fontRef>
+        </p:style>
+        <p:txBody>
+          <a:bodyPr rtlCol="0" anchor="ctr"/>
+          <a:lstStyle/>
+          <a:p>
+            <a:pPr algn="ctr"/>
+            <a:r>
+              <a:rPr lang="en-GB" sz="1200"/>
+              <a:t>v</a:t>
+            </a:r>
+            <a:r>
+              <a:rPr lang="en-GB" sz="1200" baseline="-25000"/>
+              <a:t>max</a:t>
+            </a:r>
+          </a:p>
+        </p:txBody>
+      </p:sp>
+    </p:spTree>
+    <p:extLst>
+      <p:ext uri="{BB962C8B-B14F-4D97-AF65-F5344CB8AC3E}">
+        <p14:creationId xmlns:p14="http://schemas.microsoft.com/office/powerpoint/2010/main" val="680631397"/>
       </p:ext>
     </p:extLst>
   </p:cSld>
